--- a/CW2/Presentation/Text Summarization_final.pptx
+++ b/CW2/Presentation/Text Summarization_final.pptx
@@ -21242,7 +21242,7 @@
           <a:p>
             <a:fld id="{DB4A5045-5374-470B-B887-7879D36E1C3A}" type="datetimeFigureOut">
               <a:rPr lang="en-US" smtClean="0"/>
-              <a:t>5/2/2020</a:t>
+              <a:t>5/7/2020</a:t>
             </a:fld>
             <a:endParaRPr lang="en-US"/>
           </a:p>
@@ -23097,7 +23097,7 @@
           <a:p>
             <a:fld id="{69E3B0D5-7916-4F5A-8E1E-B6442A1A000D}" type="datetimeFigureOut">
               <a:rPr lang="en-US" smtClean="0"/>
-              <a:t>5/2/2020</a:t>
+              <a:t>5/7/2020</a:t>
             </a:fld>
             <a:endParaRPr lang="en-US"/>
           </a:p>
@@ -23295,7 +23295,7 @@
           <a:p>
             <a:fld id="{69E3B0D5-7916-4F5A-8E1E-B6442A1A000D}" type="datetimeFigureOut">
               <a:rPr lang="en-US" smtClean="0"/>
-              <a:t>5/2/2020</a:t>
+              <a:t>5/7/2020</a:t>
             </a:fld>
             <a:endParaRPr lang="en-US"/>
           </a:p>
@@ -23503,7 +23503,7 @@
           <a:p>
             <a:fld id="{69E3B0D5-7916-4F5A-8E1E-B6442A1A000D}" type="datetimeFigureOut">
               <a:rPr lang="en-US" smtClean="0"/>
-              <a:t>5/2/2020</a:t>
+              <a:t>5/7/2020</a:t>
             </a:fld>
             <a:endParaRPr lang="en-US"/>
           </a:p>
@@ -23701,7 +23701,7 @@
           <a:p>
             <a:fld id="{69E3B0D5-7916-4F5A-8E1E-B6442A1A000D}" type="datetimeFigureOut">
               <a:rPr lang="en-US" smtClean="0"/>
-              <a:t>5/2/2020</a:t>
+              <a:t>5/7/2020</a:t>
             </a:fld>
             <a:endParaRPr lang="en-US"/>
           </a:p>
@@ -23976,7 +23976,7 @@
           <a:p>
             <a:fld id="{69E3B0D5-7916-4F5A-8E1E-B6442A1A000D}" type="datetimeFigureOut">
               <a:rPr lang="en-US" smtClean="0"/>
-              <a:t>5/2/2020</a:t>
+              <a:t>5/7/2020</a:t>
             </a:fld>
             <a:endParaRPr lang="en-US"/>
           </a:p>
@@ -24241,7 +24241,7 @@
           <a:p>
             <a:fld id="{69E3B0D5-7916-4F5A-8E1E-B6442A1A000D}" type="datetimeFigureOut">
               <a:rPr lang="en-US" smtClean="0"/>
-              <a:t>5/2/2020</a:t>
+              <a:t>5/7/2020</a:t>
             </a:fld>
             <a:endParaRPr lang="en-US"/>
           </a:p>
@@ -24653,7 +24653,7 @@
           <a:p>
             <a:fld id="{69E3B0D5-7916-4F5A-8E1E-B6442A1A000D}" type="datetimeFigureOut">
               <a:rPr lang="en-US" smtClean="0"/>
-              <a:t>5/2/2020</a:t>
+              <a:t>5/7/2020</a:t>
             </a:fld>
             <a:endParaRPr lang="en-US"/>
           </a:p>
@@ -24794,7 +24794,7 @@
           <a:p>
             <a:fld id="{69E3B0D5-7916-4F5A-8E1E-B6442A1A000D}" type="datetimeFigureOut">
               <a:rPr lang="en-US" smtClean="0"/>
-              <a:t>5/2/2020</a:t>
+              <a:t>5/7/2020</a:t>
             </a:fld>
             <a:endParaRPr lang="en-US"/>
           </a:p>
@@ -24907,7 +24907,7 @@
           <a:p>
             <a:fld id="{69E3B0D5-7916-4F5A-8E1E-B6442A1A000D}" type="datetimeFigureOut">
               <a:rPr lang="en-US" smtClean="0"/>
-              <a:t>5/2/2020</a:t>
+              <a:t>5/7/2020</a:t>
             </a:fld>
             <a:endParaRPr lang="en-US"/>
           </a:p>
@@ -25218,7 +25218,7 @@
           <a:p>
             <a:fld id="{69E3B0D5-7916-4F5A-8E1E-B6442A1A000D}" type="datetimeFigureOut">
               <a:rPr lang="en-US" smtClean="0"/>
-              <a:t>5/2/2020</a:t>
+              <a:t>5/7/2020</a:t>
             </a:fld>
             <a:endParaRPr lang="en-US"/>
           </a:p>
@@ -25506,7 +25506,7 @@
           <a:p>
             <a:fld id="{69E3B0D5-7916-4F5A-8E1E-B6442A1A000D}" type="datetimeFigureOut">
               <a:rPr lang="en-US" smtClean="0"/>
-              <a:t>5/2/2020</a:t>
+              <a:t>5/7/2020</a:t>
             </a:fld>
             <a:endParaRPr lang="en-US"/>
           </a:p>
@@ -25747,7 +25747,7 @@
           <a:p>
             <a:fld id="{69E3B0D5-7916-4F5A-8E1E-B6442A1A000D}" type="datetimeFigureOut">
               <a:rPr lang="en-US" smtClean="0"/>
-              <a:t>5/2/2020</a:t>
+              <a:t>5/7/2020</a:t>
             </a:fld>
             <a:endParaRPr lang="en-US"/>
           </a:p>
@@ -26669,6 +26669,137 @@
           </a:p>
         </p:txBody>
       </p:sp>
+      <p:sp>
+        <p:nvSpPr>
+          <p:cNvPr id="8" name="Rectangle 7">
+            <a:extLst>
+              <a:ext uri="{FF2B5EF4-FFF2-40B4-BE49-F238E27FC236}">
+                <a16:creationId xmlns:a16="http://schemas.microsoft.com/office/drawing/2014/main" id="{5595BF79-7401-40DA-B052-A5E4F0CE99AC}"/>
+              </a:ext>
+            </a:extLst>
+          </p:cNvPr>
+          <p:cNvSpPr/>
+          <p:nvPr/>
+        </p:nvSpPr>
+        <p:spPr>
+          <a:xfrm>
+            <a:off x="6666467" y="3105834"/>
+            <a:ext cx="3802993" cy="1200329"/>
+          </a:xfrm>
+          <a:prstGeom prst="rect">
+            <a:avLst/>
+          </a:prstGeom>
+        </p:spPr>
+        <p:txBody>
+          <a:bodyPr wrap="square">
+            <a:spAutoFit/>
+          </a:bodyPr>
+          <a:lstStyle/>
+          <a:p>
+            <a:r>
+              <a:rPr lang="en-GB" i="1" dirty="0">
+                <a:solidFill>
+                  <a:schemeClr val="bg1">
+                    <a:lumMod val="65000"/>
+                  </a:schemeClr>
+                </a:solidFill>
+                <a:latin typeface="Bookshelf Symbol 4"/>
+              </a:rPr>
+              <a:t>Bruce Tauro – H00228269</a:t>
+            </a:r>
+          </a:p>
+          <a:p>
+            <a:r>
+              <a:rPr lang="en-GB" i="1" dirty="0">
+                <a:solidFill>
+                  <a:schemeClr val="bg1">
+                    <a:lumMod val="65000"/>
+                  </a:schemeClr>
+                </a:solidFill>
+                <a:latin typeface="Bookshelf Symbol 4"/>
+              </a:rPr>
+              <a:t>Mohamed </a:t>
+            </a:r>
+            <a:r>
+              <a:rPr lang="en-GB" i="1" dirty="0" err="1">
+                <a:solidFill>
+                  <a:schemeClr val="bg1">
+                    <a:lumMod val="65000"/>
+                  </a:schemeClr>
+                </a:solidFill>
+                <a:latin typeface="Bookshelf Symbol 4"/>
+              </a:rPr>
+              <a:t>Serry</a:t>
+            </a:r>
+            <a:r>
+              <a:rPr lang="en-GB" i="1" dirty="0">
+                <a:solidFill>
+                  <a:schemeClr val="bg1">
+                    <a:lumMod val="65000"/>
+                  </a:schemeClr>
+                </a:solidFill>
+                <a:latin typeface="Bookshelf Symbol 4"/>
+              </a:rPr>
+              <a:t> - H00313456</a:t>
+            </a:r>
+          </a:p>
+          <a:p>
+            <a:r>
+              <a:rPr lang="en-GB" i="1" dirty="0">
+                <a:solidFill>
+                  <a:schemeClr val="bg1">
+                    <a:lumMod val="65000"/>
+                  </a:schemeClr>
+                </a:solidFill>
+                <a:latin typeface="Bookshelf Symbol 4"/>
+              </a:rPr>
+              <a:t>Salah Tamer - H00343334</a:t>
+            </a:r>
+          </a:p>
+          <a:p>
+            <a:r>
+              <a:rPr lang="en-GB" i="1" dirty="0">
+                <a:solidFill>
+                  <a:schemeClr val="bg1">
+                    <a:lumMod val="65000"/>
+                  </a:schemeClr>
+                </a:solidFill>
+                <a:latin typeface="Bookshelf Symbol 4"/>
+              </a:rPr>
+              <a:t>Tarek </a:t>
+            </a:r>
+            <a:r>
+              <a:rPr lang="en-GB" i="1" dirty="0" err="1">
+                <a:solidFill>
+                  <a:schemeClr val="bg1">
+                    <a:lumMod val="65000"/>
+                  </a:schemeClr>
+                </a:solidFill>
+                <a:latin typeface="Bookshelf Symbol 4"/>
+              </a:rPr>
+              <a:t>Itani</a:t>
+            </a:r>
+            <a:r>
+              <a:rPr lang="en-GB" i="1" dirty="0">
+                <a:solidFill>
+                  <a:schemeClr val="bg1">
+                    <a:lumMod val="65000"/>
+                  </a:schemeClr>
+                </a:solidFill>
+                <a:latin typeface="Bookshelf Symbol 4"/>
+              </a:rPr>
+              <a:t> - H00292565</a:t>
+            </a:r>
+            <a:endParaRPr lang="en-US" dirty="0">
+              <a:solidFill>
+                <a:schemeClr val="bg1">
+                  <a:lumMod val="65000"/>
+                </a:schemeClr>
+              </a:solidFill>
+            </a:endParaRPr>
+          </a:p>
+        </p:txBody>
+      </p:sp>
     </p:spTree>
     <p:extLst>
       <p:ext uri="{BB962C8B-B14F-4D97-AF65-F5344CB8AC3E}">
@@ -34994,8 +35125,8 @@
           </a:p>
         </p:txBody>
       </p:sp>
-      <mc:AlternateContent xmlns:mc="http://schemas.openxmlformats.org/markup-compatibility/2006">
-        <mc:Choice xmlns:a14="http://schemas.microsoft.com/office/drawing/2010/main" Requires="a14">
+      <mc:AlternateContent xmlns:mc="http://schemas.openxmlformats.org/markup-compatibility/2006" xmlns:a14="http://schemas.microsoft.com/office/drawing/2010/main">
+        <mc:Choice Requires="a14">
           <p:sp>
             <p:nvSpPr>
               <p:cNvPr id="9" name="TextBox 8">
@@ -35128,7 +35259,7 @@
             </p:txBody>
           </p:sp>
         </mc:Choice>
-        <mc:Fallback>
+        <mc:Fallback xmlns="">
           <p:sp>
             <p:nvSpPr>
               <p:cNvPr id="9" name="TextBox 8">
@@ -44739,6 +44870,21 @@
 </file>
 
 <file path=customXml/item1.xml><?xml version="1.0" encoding="utf-8"?>
+<?mso-contentType ?>
+<FormTemplates xmlns="http://schemas.microsoft.com/sharepoint/v3/contenttype/forms">
+  <Display>DocumentLibraryForm</Display>
+  <Edit>DocumentLibraryForm</Edit>
+  <New>DocumentLibraryForm</New>
+</FormTemplates>
+</file>
+
+<file path=customXml/item2.xml><?xml version="1.0" encoding="utf-8"?>
+<p:properties xmlns:p="http://schemas.microsoft.com/office/2006/metadata/properties" xmlns:xsi="http://www.w3.org/2001/XMLSchema-instance" xmlns:pc="http://schemas.microsoft.com/office/infopath/2007/PartnerControls">
+  <documentManagement/>
+</p:properties>
+</file>
+
+<file path=customXml/item3.xml><?xml version="1.0" encoding="utf-8"?>
 <ct:contentTypeSchema xmlns:ct="http://schemas.microsoft.com/office/2006/metadata/contentType" xmlns:ma="http://schemas.microsoft.com/office/2006/metadata/properties/metaAttributes" ct:_="" ma:_="" ma:contentTypeName="Document" ma:contentTypeID="0x01010063DE07554F7FCF479A49B4DE63B50DDF" ma:contentTypeVersion="5" ma:contentTypeDescription="Create a new document." ma:contentTypeScope="" ma:versionID="81474e9ef4857925269af485ad1ea8dc">
   <xsd:schema xmlns:xsd="http://www.w3.org/2001/XMLSchema" xmlns:xs="http://www.w3.org/2001/XMLSchema" xmlns:p="http://schemas.microsoft.com/office/2006/metadata/properties" xmlns:ns2="a788ed5f-5f31-46e1-8c97-6c6011372d6c" targetNamespace="http://schemas.microsoft.com/office/2006/metadata/properties" ma:root="true" ma:fieldsID="a2442cfd0942d0fe5349e8ae2e6edd20" ns2:_="">
     <xsd:import namespace="a788ed5f-5f31-46e1-8c97-6c6011372d6c"/>
@@ -44890,22 +45036,24 @@
 </ct:contentTypeSchema>
 </file>
 
-<file path=customXml/item2.xml><?xml version="1.0" encoding="utf-8"?>
-<?mso-contentType ?>
-<FormTemplates xmlns="http://schemas.microsoft.com/sharepoint/v3/contenttype/forms">
-  <Display>DocumentLibraryForm</Display>
-  <Edit>DocumentLibraryForm</Edit>
-  <New>DocumentLibraryForm</New>
-</FormTemplates>
+<file path=customXml/itemProps1.xml><?xml version="1.0" encoding="utf-8"?>
+<ds:datastoreItem xmlns:ds="http://schemas.openxmlformats.org/officeDocument/2006/customXml" ds:itemID="{A93445DB-3BD1-446D-9D05-055526067B8E}">
+  <ds:schemaRefs>
+    <ds:schemaRef ds:uri="http://schemas.microsoft.com/sharepoint/v3/contenttype/forms"/>
+  </ds:schemaRefs>
+</ds:datastoreItem>
 </file>
 
-<file path=customXml/item3.xml><?xml version="1.0" encoding="utf-8"?>
-<p:properties xmlns:p="http://schemas.microsoft.com/office/2006/metadata/properties" xmlns:xsi="http://www.w3.org/2001/XMLSchema-instance" xmlns:pc="http://schemas.microsoft.com/office/infopath/2007/PartnerControls">
-  <documentManagement/>
-</p:properties>
+<file path=customXml/itemProps2.xml><?xml version="1.0" encoding="utf-8"?>
+<ds:datastoreItem xmlns:ds="http://schemas.openxmlformats.org/officeDocument/2006/customXml" ds:itemID="{30294538-7DEF-4C88-A427-3E3A4A7EC8C7}">
+  <ds:schemaRefs>
+    <ds:schemaRef ds:uri="http://schemas.microsoft.com/office/2006/metadata/properties"/>
+    <ds:schemaRef ds:uri="http://schemas.microsoft.com/office/infopath/2007/PartnerControls"/>
+  </ds:schemaRefs>
+</ds:datastoreItem>
 </file>
 
-<file path=customXml/itemProps1.xml><?xml version="1.0" encoding="utf-8"?>
+<file path=customXml/itemProps3.xml><?xml version="1.0" encoding="utf-8"?>
 <ds:datastoreItem xmlns:ds="http://schemas.openxmlformats.org/officeDocument/2006/customXml" ds:itemID="{567DD592-C92A-4A18-9D01-A43DE4F0C12A}">
   <ds:schemaRefs>
     <ds:schemaRef ds:uri="a788ed5f-5f31-46e1-8c97-6c6011372d6c"/>
@@ -44921,21 +45069,4 @@
     <ds:schemaRef ds:uri="http://www.w3.org/2001/XMLSchema"/>
   </ds:schemaRefs>
 </ds:datastoreItem>
-</file>
-
-<file path=customXml/itemProps2.xml><?xml version="1.0" encoding="utf-8"?>
-<ds:datastoreItem xmlns:ds="http://schemas.openxmlformats.org/officeDocument/2006/customXml" ds:itemID="{A93445DB-3BD1-446D-9D05-055526067B8E}">
-  <ds:schemaRefs>
-    <ds:schemaRef ds:uri="http://schemas.microsoft.com/sharepoint/v3/contenttype/forms"/>
-  </ds:schemaRefs>
-</ds:datastoreItem>
-</file>
-
-<file path=customXml/itemProps3.xml><?xml version="1.0" encoding="utf-8"?>
-<ds:datastoreItem xmlns:ds="http://schemas.openxmlformats.org/officeDocument/2006/customXml" ds:itemID="{30294538-7DEF-4C88-A427-3E3A4A7EC8C7}">
-  <ds:schemaRefs>
-    <ds:schemaRef ds:uri="http://schemas.microsoft.com/office/2006/metadata/properties"/>
-    <ds:schemaRef ds:uri="http://schemas.microsoft.com/office/infopath/2007/PartnerControls"/>
-  </ds:schemaRefs>
-</ds:datastoreItem>
 </file>